--- a/bunch_compressor.pptx
+++ b/bunch_compressor.pptx
@@ -3356,7 +3356,7 @@
         </p:nvSpPr>
         <p:spPr>
           <a:xfrm rot="1939107">
-            <a:off x="7929592" y="2851809"/>
+            <a:off x="8718000" y="1520721"/>
             <a:ext cx="163422" cy="766354"/>
           </a:xfrm>
           <a:prstGeom prst="ellipse">
@@ -3407,7 +3407,7 @@
         </p:nvSpPr>
         <p:spPr>
           <a:xfrm rot="19640864">
-            <a:off x="2888235" y="2839002"/>
+            <a:off x="3676643" y="1507914"/>
             <a:ext cx="163422" cy="766354"/>
           </a:xfrm>
           <a:prstGeom prst="ellipse">
@@ -3458,7 +3458,7 @@
         </p:nvSpPr>
         <p:spPr>
           <a:xfrm>
-            <a:off x="3465944" y="2356757"/>
+            <a:off x="4254352" y="1025669"/>
             <a:ext cx="1205595" cy="685800"/>
           </a:xfrm>
           <a:prstGeom prst="roundRect">
@@ -3510,7 +3510,7 @@
         </p:nvSpPr>
         <p:spPr>
           <a:xfrm>
-            <a:off x="6315075" y="2356757"/>
+            <a:off x="7103483" y="1025669"/>
             <a:ext cx="1205595" cy="685800"/>
           </a:xfrm>
           <a:prstGeom prst="roundRect">
@@ -3562,7 +3562,7 @@
         </p:nvSpPr>
         <p:spPr>
           <a:xfrm>
-            <a:off x="1175655" y="3472543"/>
+            <a:off x="1964063" y="2141455"/>
             <a:ext cx="1205595" cy="685800"/>
           </a:xfrm>
           <a:prstGeom prst="roundRect">
@@ -3614,7 +3614,7 @@
         </p:nvSpPr>
         <p:spPr>
           <a:xfrm>
-            <a:off x="8605154" y="3472543"/>
+            <a:off x="9393562" y="2141455"/>
             <a:ext cx="1205595" cy="685800"/>
           </a:xfrm>
           <a:prstGeom prst="roundRect">
@@ -3666,7 +3666,7 @@
         </p:nvSpPr>
         <p:spPr>
           <a:xfrm>
-            <a:off x="5494459" y="2312399"/>
+            <a:off x="6282867" y="981311"/>
             <a:ext cx="163422" cy="766354"/>
           </a:xfrm>
           <a:custGeom>
@@ -3788,7 +3788,7 @@
         </p:nvSpPr>
         <p:spPr>
           <a:xfrm flipH="1">
-            <a:off x="5338249" y="2312399"/>
+            <a:off x="6126657" y="981311"/>
             <a:ext cx="163422" cy="766354"/>
           </a:xfrm>
           <a:custGeom>
@@ -3914,7 +3914,7 @@
         </p:nvCxnSpPr>
         <p:spPr>
           <a:xfrm>
-            <a:off x="1175655" y="3815443"/>
+            <a:off x="1964063" y="2484355"/>
             <a:ext cx="8635094" cy="0"/>
           </a:xfrm>
           <a:prstGeom prst="line">
@@ -3953,13 +3953,15 @@
           </p:cNvPr>
           <p:cNvCxnSpPr>
             <a:cxnSpLocks/>
+            <a:stCxn id="120" idx="0"/>
+            <a:endCxn id="122" idx="1"/>
           </p:cNvCxnSpPr>
           <p:nvPr/>
         </p:nvCxnSpPr>
         <p:spPr>
-          <a:xfrm>
-            <a:off x="3465944" y="2699657"/>
-            <a:ext cx="4011181" cy="0"/>
+          <a:xfrm flipV="1">
+            <a:off x="4067720" y="1366528"/>
+            <a:ext cx="4449226" cy="575"/>
           </a:xfrm>
           <a:prstGeom prst="line">
             <a:avLst/>
@@ -4000,7 +4002,7 @@
         </p:nvCxnSpPr>
         <p:spPr>
           <a:xfrm flipV="1">
-            <a:off x="2381250" y="2952750"/>
+            <a:off x="3169658" y="1621662"/>
             <a:ext cx="1084694" cy="638175"/>
           </a:xfrm>
           <a:prstGeom prst="line">
@@ -4041,7 +4043,7 @@
         </p:nvSpPr>
         <p:spPr>
           <a:xfrm>
-            <a:off x="1190625" y="3590925"/>
+            <a:off x="1979033" y="2259837"/>
             <a:ext cx="1190625" cy="228600"/>
           </a:xfrm>
           <a:custGeom>
@@ -4129,7 +4131,7 @@
         </p:nvSpPr>
         <p:spPr>
           <a:xfrm>
-            <a:off x="3476625" y="2695576"/>
+            <a:off x="4265033" y="1364488"/>
             <a:ext cx="1209675" cy="248594"/>
           </a:xfrm>
           <a:custGeom>
@@ -4217,7 +4219,7 @@
         </p:nvSpPr>
         <p:spPr>
           <a:xfrm flipH="1">
-            <a:off x="8605154" y="3588884"/>
+            <a:off x="9393562" y="2257796"/>
             <a:ext cx="1205595" cy="222477"/>
           </a:xfrm>
           <a:custGeom>
@@ -4305,7 +4307,7 @@
         </p:nvSpPr>
         <p:spPr>
           <a:xfrm flipH="1">
-            <a:off x="6329836" y="2703407"/>
+            <a:off x="7118244" y="1372319"/>
             <a:ext cx="1205595" cy="248926"/>
           </a:xfrm>
           <a:custGeom>
@@ -4400,7 +4402,7 @@
         </p:nvCxnSpPr>
         <p:spPr>
           <a:xfrm flipH="1" flipV="1">
-            <a:off x="7517537" y="2952333"/>
+            <a:off x="8305945" y="1621245"/>
             <a:ext cx="1087617" cy="636551"/>
           </a:xfrm>
           <a:prstGeom prst="line">
@@ -4443,7 +4445,7 @@
         </p:nvCxnSpPr>
         <p:spPr>
           <a:xfrm>
-            <a:off x="1175655" y="4584739"/>
+            <a:off x="1964063" y="3253651"/>
             <a:ext cx="1190625" cy="0"/>
           </a:xfrm>
           <a:prstGeom prst="straightConnector1">
@@ -4485,7 +4487,7 @@
         </p:nvCxnSpPr>
         <p:spPr>
           <a:xfrm flipV="1">
-            <a:off x="5301722" y="2718851"/>
+            <a:off x="6090130" y="1387763"/>
             <a:ext cx="23405" cy="1889341"/>
           </a:xfrm>
           <a:prstGeom prst="line">
@@ -4529,7 +4531,7 @@
         </p:nvCxnSpPr>
         <p:spPr>
           <a:xfrm flipV="1">
-            <a:off x="2907012" y="3270608"/>
+            <a:off x="3695420" y="1939520"/>
             <a:ext cx="0" cy="1330147"/>
           </a:xfrm>
           <a:prstGeom prst="line">
@@ -4573,7 +4575,7 @@
         </p:nvCxnSpPr>
         <p:spPr>
           <a:xfrm flipH="1" flipV="1">
-            <a:off x="5663932" y="2695576"/>
+            <a:off x="6452340" y="1364488"/>
             <a:ext cx="258" cy="1912616"/>
           </a:xfrm>
           <a:prstGeom prst="line">
@@ -4617,7 +4619,7 @@
         </p:nvCxnSpPr>
         <p:spPr>
           <a:xfrm flipV="1">
-            <a:off x="4656569" y="2693535"/>
+            <a:off x="5444977" y="1362447"/>
             <a:ext cx="16378" cy="1907220"/>
           </a:xfrm>
           <a:prstGeom prst="line">
@@ -4661,7 +4663,7 @@
         </p:nvCxnSpPr>
         <p:spPr>
           <a:xfrm flipV="1">
-            <a:off x="3078462" y="3222179"/>
+            <a:off x="3866870" y="1891091"/>
             <a:ext cx="0" cy="1378576"/>
           </a:xfrm>
           <a:prstGeom prst="line">
@@ -4705,7 +4707,7 @@
         </p:nvCxnSpPr>
         <p:spPr>
           <a:xfrm flipV="1">
-            <a:off x="3446043" y="2703407"/>
+            <a:off x="4234451" y="1372319"/>
             <a:ext cx="25737" cy="1904785"/>
           </a:xfrm>
           <a:prstGeom prst="line">
@@ -4751,7 +4753,7 @@
         </p:nvCxnSpPr>
         <p:spPr>
           <a:xfrm>
-            <a:off x="4686300" y="2695576"/>
+            <a:off x="5474708" y="1364488"/>
             <a:ext cx="1628775" cy="4081"/>
           </a:xfrm>
           <a:prstGeom prst="line">
@@ -4792,7 +4794,7 @@
         </p:nvSpPr>
         <p:spPr>
           <a:xfrm>
-            <a:off x="1520046" y="4238860"/>
+            <a:off x="2308454" y="2907772"/>
             <a:ext cx="695325" cy="369332"/>
           </a:xfrm>
           <a:prstGeom prst="rect">
@@ -4834,7 +4836,7 @@
         </p:nvCxnSpPr>
         <p:spPr>
           <a:xfrm>
-            <a:off x="5317915" y="4577302"/>
+            <a:off x="6106323" y="3246214"/>
             <a:ext cx="324044" cy="0"/>
           </a:xfrm>
           <a:prstGeom prst="straightConnector1">
@@ -4874,7 +4876,7 @@
         </p:nvSpPr>
         <p:spPr>
           <a:xfrm>
-            <a:off x="5248222" y="4190324"/>
+            <a:off x="6036630" y="2859236"/>
             <a:ext cx="504929" cy="369332"/>
           </a:xfrm>
           <a:prstGeom prst="rect">
@@ -4916,7 +4918,7 @@
         </p:nvCxnSpPr>
         <p:spPr>
           <a:xfrm>
-            <a:off x="2382788" y="4584739"/>
+            <a:off x="3171196" y="3253651"/>
             <a:ext cx="524224" cy="0"/>
           </a:xfrm>
           <a:prstGeom prst="straightConnector1">
@@ -4958,7 +4960,7 @@
         </p:nvCxnSpPr>
         <p:spPr>
           <a:xfrm flipV="1">
-            <a:off x="2381250" y="3588884"/>
+            <a:off x="3169658" y="2257796"/>
             <a:ext cx="1887" cy="1011871"/>
           </a:xfrm>
           <a:prstGeom prst="line">
@@ -5000,7 +5002,7 @@
         </p:nvSpPr>
         <p:spPr>
           <a:xfrm>
-            <a:off x="2390184" y="4238860"/>
+            <a:off x="3178592" y="2907772"/>
             <a:ext cx="695325" cy="369332"/>
           </a:xfrm>
           <a:prstGeom prst="rect">
@@ -5042,7 +5044,7 @@
         </p:nvCxnSpPr>
         <p:spPr>
           <a:xfrm>
-            <a:off x="3078462" y="4584739"/>
+            <a:off x="3866870" y="3253651"/>
             <a:ext cx="371345" cy="0"/>
           </a:xfrm>
           <a:prstGeom prst="straightConnector1">
@@ -5082,7 +5084,7 @@
         </p:nvSpPr>
         <p:spPr>
           <a:xfrm>
-            <a:off x="3028105" y="4207970"/>
+            <a:off x="3816513" y="2876882"/>
             <a:ext cx="695325" cy="369332"/>
           </a:xfrm>
           <a:prstGeom prst="rect">
@@ -5122,7 +5124,7 @@
         </p:nvSpPr>
         <p:spPr>
           <a:xfrm>
-            <a:off x="8214360" y="2554714"/>
+            <a:off x="9002768" y="1223626"/>
             <a:ext cx="695325" cy="369332"/>
           </a:xfrm>
           <a:prstGeom prst="rect">
@@ -5162,7 +5164,7 @@
         </p:nvSpPr>
         <p:spPr>
           <a:xfrm>
-            <a:off x="2442022" y="2939177"/>
+            <a:off x="3230430" y="1608089"/>
             <a:ext cx="695325" cy="369332"/>
           </a:xfrm>
           <a:prstGeom prst="rect">
@@ -5202,7 +5204,7 @@
         </p:nvSpPr>
         <p:spPr>
           <a:xfrm>
-            <a:off x="5317915" y="1947149"/>
+            <a:off x="6106323" y="616061"/>
             <a:ext cx="695325" cy="369332"/>
           </a:xfrm>
           <a:prstGeom prst="rect">
@@ -5244,7 +5246,7 @@
         </p:nvCxnSpPr>
         <p:spPr>
           <a:xfrm>
-            <a:off x="4664758" y="4577302"/>
+            <a:off x="5453166" y="3246214"/>
             <a:ext cx="631615" cy="0"/>
           </a:xfrm>
           <a:prstGeom prst="straightConnector1">
@@ -5284,7 +5286,7 @@
         </p:nvSpPr>
         <p:spPr>
           <a:xfrm>
-            <a:off x="4712816" y="4225644"/>
+            <a:off x="5501224" y="2894556"/>
             <a:ext cx="594776" cy="369332"/>
           </a:xfrm>
           <a:prstGeom prst="rect">
@@ -5326,7 +5328,7 @@
         </p:nvCxnSpPr>
         <p:spPr>
           <a:xfrm flipV="1">
-            <a:off x="2621276" y="2768045"/>
+            <a:off x="3409684" y="1436957"/>
             <a:ext cx="157344" cy="110449"/>
           </a:xfrm>
           <a:prstGeom prst="straightConnector1">
@@ -5366,7 +5368,7 @@
         </p:nvSpPr>
         <p:spPr>
           <a:xfrm>
-            <a:off x="2359888" y="2405324"/>
+            <a:off x="3148296" y="1074236"/>
             <a:ext cx="695325" cy="369332"/>
           </a:xfrm>
           <a:prstGeom prst="rect">
@@ -5408,7 +5410,7 @@
         </p:nvCxnSpPr>
         <p:spPr>
           <a:xfrm flipV="1">
-            <a:off x="1174710" y="3596016"/>
+            <a:off x="1963118" y="2264928"/>
             <a:ext cx="1887" cy="1011871"/>
           </a:xfrm>
           <a:prstGeom prst="line">
@@ -5436,6 +5438,1022 @@
           </a:fontRef>
         </p:style>
       </p:cxnSp>
+      <p:graphicFrame>
+        <p:nvGraphicFramePr>
+          <p:cNvPr id="115" name="Table 115">
+            <a:extLst>
+              <a:ext uri="{FF2B5EF4-FFF2-40B4-BE49-F238E27FC236}">
+                <a16:creationId xmlns:a16="http://schemas.microsoft.com/office/drawing/2014/main" id="{63623D08-1569-85A2-7789-5C0F767A4E37}"/>
+              </a:ext>
+            </a:extLst>
+          </p:cNvPr>
+          <p:cNvGraphicFramePr>
+            <a:graphicFrameLocks noGrp="1"/>
+          </p:cNvGraphicFramePr>
+          <p:nvPr>
+            <p:extLst>
+              <p:ext uri="{D42A27DB-BD31-4B8C-83A1-F6EECF244321}">
+                <p14:modId xmlns:p14="http://schemas.microsoft.com/office/powerpoint/2010/main" val="4025365272"/>
+              </p:ext>
+            </p:extLst>
+          </p:nvPr>
+        </p:nvGraphicFramePr>
+        <p:xfrm>
+          <a:off x="1602967" y="3750105"/>
+          <a:ext cx="3314387" cy="2194560"/>
+        </p:xfrm>
+        <a:graphic>
+          <a:graphicData uri="http://schemas.openxmlformats.org/drawingml/2006/table">
+            <a:tbl>
+              <a:tblPr firstRow="1" bandRow="1">
+                <a:tableStyleId>{5C22544A-7EE6-4342-B048-85BDC9FD1C3A}</a:tableStyleId>
+              </a:tblPr>
+              <a:tblGrid>
+                <a:gridCol w="1506773">
+                  <a:extLst>
+                    <a:ext uri="{9D8B030D-6E8A-4147-A177-3AD203B41FA5}">
+                      <a16:colId xmlns:a16="http://schemas.microsoft.com/office/drawing/2014/main" val="2115390801"/>
+                    </a:ext>
+                  </a:extLst>
+                </a:gridCol>
+                <a:gridCol w="1807614">
+                  <a:extLst>
+                    <a:ext uri="{9D8B030D-6E8A-4147-A177-3AD203B41FA5}">
+                      <a16:colId xmlns:a16="http://schemas.microsoft.com/office/drawing/2014/main" val="580586117"/>
+                    </a:ext>
+                  </a:extLst>
+                </a:gridCol>
+              </a:tblGrid>
+              <a:tr h="277738">
+                <a:tc>
+                  <a:txBody>
+                    <a:bodyPr/>
+                    <a:lstStyle/>
+                    <a:p>
+                      <a:r>
+                        <a:rPr lang="en-US" dirty="0"/>
+                        <a:t>Dimension</a:t>
+                      </a:r>
+                    </a:p>
+                  </a:txBody>
+                  <a:tcPr/>
+                </a:tc>
+                <a:tc>
+                  <a:txBody>
+                    <a:bodyPr/>
+                    <a:lstStyle/>
+                    <a:p>
+                      <a:r>
+                        <a:rPr lang="en-US" dirty="0"/>
+                        <a:t>Value (m)</a:t>
+                      </a:r>
+                    </a:p>
+                  </a:txBody>
+                  <a:tcPr/>
+                </a:tc>
+                <a:extLst>
+                  <a:ext uri="{0D108BD9-81ED-4DB2-BD59-A6C34878D82A}">
+                    <a16:rowId xmlns:a16="http://schemas.microsoft.com/office/drawing/2014/main" val="3404768557"/>
+                  </a:ext>
+                </a:extLst>
+              </a:tr>
+              <a:tr h="277738">
+                <a:tc>
+                  <a:txBody>
+                    <a:bodyPr/>
+                    <a:lstStyle/>
+                    <a:p>
+                      <a:r>
+                        <a:rPr lang="en-US" dirty="0"/>
+                        <a:t>L</a:t>
+                      </a:r>
+                      <a:r>
+                        <a:rPr lang="en-US" baseline="-25000" dirty="0"/>
+                        <a:t>BM</a:t>
+                      </a:r>
+                      <a:endParaRPr lang="en-US" dirty="0"/>
+                    </a:p>
+                  </a:txBody>
+                  <a:tcPr/>
+                </a:tc>
+                <a:tc>
+                  <a:txBody>
+                    <a:bodyPr/>
+                    <a:lstStyle/>
+                    <a:p>
+                      <a:r>
+                        <a:rPr lang="en-US" dirty="0"/>
+                        <a:t>1.5</a:t>
+                      </a:r>
+                    </a:p>
+                  </a:txBody>
+                  <a:tcPr/>
+                </a:tc>
+                <a:extLst>
+                  <a:ext uri="{0D108BD9-81ED-4DB2-BD59-A6C34878D82A}">
+                    <a16:rowId xmlns:a16="http://schemas.microsoft.com/office/drawing/2014/main" val="1858576340"/>
+                  </a:ext>
+                </a:extLst>
+              </a:tr>
+              <a:tr h="277738">
+                <a:tc>
+                  <a:txBody>
+                    <a:bodyPr/>
+                    <a:lstStyle/>
+                    <a:p>
+                      <a:r>
+                        <a:rPr lang="en-US" dirty="0"/>
+                        <a:t>L</a:t>
+                      </a:r>
+                      <a:r>
+                        <a:rPr lang="en-US" baseline="-25000" dirty="0"/>
+                        <a:t>1Q</a:t>
+                      </a:r>
+                      <a:endParaRPr lang="en-US" dirty="0"/>
+                    </a:p>
+                  </a:txBody>
+                  <a:tcPr/>
+                </a:tc>
+                <a:tc>
+                  <a:txBody>
+                    <a:bodyPr/>
+                    <a:lstStyle/>
+                    <a:p>
+                      <a:r>
+                        <a:rPr lang="en-US" dirty="0"/>
+                        <a:t>0.45</a:t>
+                      </a:r>
+                    </a:p>
+                  </a:txBody>
+                  <a:tcPr/>
+                </a:tc>
+                <a:extLst>
+                  <a:ext uri="{0D108BD9-81ED-4DB2-BD59-A6C34878D82A}">
+                    <a16:rowId xmlns:a16="http://schemas.microsoft.com/office/drawing/2014/main" val="171806016"/>
+                  </a:ext>
+                </a:extLst>
+              </a:tr>
+              <a:tr h="277738">
+                <a:tc>
+                  <a:txBody>
+                    <a:bodyPr/>
+                    <a:lstStyle/>
+                    <a:p>
+                      <a:r>
+                        <a:rPr lang="en-US" dirty="0"/>
+                        <a:t>L</a:t>
+                      </a:r>
+                      <a:r>
+                        <a:rPr lang="en-US" baseline="-25000" dirty="0"/>
+                        <a:t>QF</a:t>
+                      </a:r>
+                      <a:endParaRPr lang="en-US" dirty="0"/>
+                    </a:p>
+                  </a:txBody>
+                  <a:tcPr/>
+                </a:tc>
+                <a:tc>
+                  <a:txBody>
+                    <a:bodyPr/>
+                    <a:lstStyle/>
+                    <a:p>
+                      <a:r>
+                        <a:rPr lang="en-US" dirty="0"/>
+                        <a:t>0.3</a:t>
+                      </a:r>
+                    </a:p>
+                  </a:txBody>
+                  <a:tcPr/>
+                </a:tc>
+                <a:extLst>
+                  <a:ext uri="{0D108BD9-81ED-4DB2-BD59-A6C34878D82A}">
+                    <a16:rowId xmlns:a16="http://schemas.microsoft.com/office/drawing/2014/main" val="2506537829"/>
+                  </a:ext>
+                </a:extLst>
+              </a:tr>
+              <a:tr h="277738">
+                <a:tc>
+                  <a:txBody>
+                    <a:bodyPr/>
+                    <a:lstStyle/>
+                    <a:p>
+                      <a:r>
+                        <a:rPr lang="en-US" dirty="0"/>
+                        <a:t>L</a:t>
+                      </a:r>
+                      <a:r>
+                        <a:rPr lang="en-US" baseline="-25000" dirty="0"/>
+                        <a:t>2Q</a:t>
+                      </a:r>
+                      <a:endParaRPr lang="en-US" dirty="0"/>
+                    </a:p>
+                  </a:txBody>
+                  <a:tcPr/>
+                </a:tc>
+                <a:tc>
+                  <a:txBody>
+                    <a:bodyPr/>
+                    <a:lstStyle/>
+                    <a:p>
+                      <a:r>
+                        <a:rPr lang="en-US" dirty="0"/>
+                        <a:t>0.55</a:t>
+                      </a:r>
+                    </a:p>
+                  </a:txBody>
+                  <a:tcPr/>
+                </a:tc>
+                <a:extLst>
+                  <a:ext uri="{0D108BD9-81ED-4DB2-BD59-A6C34878D82A}">
+                    <a16:rowId xmlns:a16="http://schemas.microsoft.com/office/drawing/2014/main" val="2234573470"/>
+                  </a:ext>
+                </a:extLst>
+              </a:tr>
+              <a:tr h="277738">
+                <a:tc>
+                  <a:txBody>
+                    <a:bodyPr/>
+                    <a:lstStyle/>
+                    <a:p>
+                      <a:r>
+                        <a:rPr lang="en-US" dirty="0"/>
+                        <a:t>L</a:t>
+                      </a:r>
+                      <a:r>
+                        <a:rPr lang="en-US" baseline="-25000" dirty="0"/>
+                        <a:t>QD</a:t>
+                      </a:r>
+                      <a:endParaRPr lang="en-US" dirty="0"/>
+                    </a:p>
+                  </a:txBody>
+                  <a:tcPr/>
+                </a:tc>
+                <a:tc>
+                  <a:txBody>
+                    <a:bodyPr/>
+                    <a:lstStyle/>
+                    <a:p>
+                      <a:r>
+                        <a:rPr lang="en-US" dirty="0"/>
+                        <a:t>0.3</a:t>
+                      </a:r>
+                    </a:p>
+                  </a:txBody>
+                  <a:tcPr/>
+                </a:tc>
+                <a:extLst>
+                  <a:ext uri="{0D108BD9-81ED-4DB2-BD59-A6C34878D82A}">
+                    <a16:rowId xmlns:a16="http://schemas.microsoft.com/office/drawing/2014/main" val="3580491740"/>
+                  </a:ext>
+                </a:extLst>
+              </a:tr>
+            </a:tbl>
+          </a:graphicData>
+        </a:graphic>
+      </p:graphicFrame>
+      <p:graphicFrame>
+        <p:nvGraphicFramePr>
+          <p:cNvPr id="117" name="Table 115">
+            <a:extLst>
+              <a:ext uri="{FF2B5EF4-FFF2-40B4-BE49-F238E27FC236}">
+                <a16:creationId xmlns:a16="http://schemas.microsoft.com/office/drawing/2014/main" id="{DF08B8A5-5C2F-CD22-D61C-AF244171AFEB}"/>
+              </a:ext>
+            </a:extLst>
+          </p:cNvPr>
+          <p:cNvGraphicFramePr>
+            <a:graphicFrameLocks noGrp="1"/>
+          </p:cNvGraphicFramePr>
+          <p:nvPr>
+            <p:extLst>
+              <p:ext uri="{D42A27DB-BD31-4B8C-83A1-F6EECF244321}">
+                <p14:modId xmlns:p14="http://schemas.microsoft.com/office/powerpoint/2010/main" val="3341416542"/>
+              </p:ext>
+            </p:extLst>
+          </p:nvPr>
+        </p:nvGraphicFramePr>
+        <p:xfrm>
+          <a:off x="5281796" y="4207305"/>
+          <a:ext cx="3314387" cy="1737360"/>
+        </p:xfrm>
+        <a:graphic>
+          <a:graphicData uri="http://schemas.openxmlformats.org/drawingml/2006/table">
+            <a:tbl>
+              <a:tblPr firstRow="1" bandRow="1">
+                <a:tableStyleId>{5C22544A-7EE6-4342-B048-85BDC9FD1C3A}</a:tableStyleId>
+              </a:tblPr>
+              <a:tblGrid>
+                <a:gridCol w="1506773">
+                  <a:extLst>
+                    <a:ext uri="{9D8B030D-6E8A-4147-A177-3AD203B41FA5}">
+                      <a16:colId xmlns:a16="http://schemas.microsoft.com/office/drawing/2014/main" val="2115390801"/>
+                    </a:ext>
+                  </a:extLst>
+                </a:gridCol>
+                <a:gridCol w="1807614">
+                  <a:extLst>
+                    <a:ext uri="{9D8B030D-6E8A-4147-A177-3AD203B41FA5}">
+                      <a16:colId xmlns:a16="http://schemas.microsoft.com/office/drawing/2014/main" val="580586117"/>
+                    </a:ext>
+                  </a:extLst>
+                </a:gridCol>
+              </a:tblGrid>
+              <a:tr h="277738">
+                <a:tc>
+                  <a:txBody>
+                    <a:bodyPr/>
+                    <a:lstStyle/>
+                    <a:p>
+                      <a:r>
+                        <a:rPr lang="en-US" dirty="0"/>
+                        <a:t>Magnet Parameter</a:t>
+                      </a:r>
+                    </a:p>
+                  </a:txBody>
+                  <a:tcPr/>
+                </a:tc>
+                <a:tc>
+                  <a:txBody>
+                    <a:bodyPr/>
+                    <a:lstStyle/>
+                    <a:p>
+                      <a:r>
+                        <a:rPr lang="en-US" dirty="0"/>
+                        <a:t>Value</a:t>
+                      </a:r>
+                    </a:p>
+                  </a:txBody>
+                  <a:tcPr/>
+                </a:tc>
+                <a:extLst>
+                  <a:ext uri="{0D108BD9-81ED-4DB2-BD59-A6C34878D82A}">
+                    <a16:rowId xmlns:a16="http://schemas.microsoft.com/office/drawing/2014/main" val="3404768557"/>
+                  </a:ext>
+                </a:extLst>
+              </a:tr>
+              <a:tr h="277738">
+                <a:tc>
+                  <a:txBody>
+                    <a:bodyPr/>
+                    <a:lstStyle/>
+                    <a:p>
+                      <a:r>
+                        <a:rPr lang="en-US" dirty="0"/>
+                        <a:t>K</a:t>
+                      </a:r>
+                      <a:r>
+                        <a:rPr lang="en-US" baseline="-25000" dirty="0"/>
+                        <a:t>1</a:t>
+                      </a:r>
+                      <a:endParaRPr lang="en-US" dirty="0"/>
+                    </a:p>
+                  </a:txBody>
+                  <a:tcPr/>
+                </a:tc>
+                <a:tc>
+                  <a:txBody>
+                    <a:bodyPr/>
+                    <a:lstStyle/>
+                    <a:p>
+                      <a:r>
+                        <a:rPr lang="en-US" dirty="0"/>
+                        <a:t>1.1 m</a:t>
+                      </a:r>
+                      <a:r>
+                        <a:rPr lang="en-US" baseline="30000" dirty="0"/>
+                        <a:t>-2</a:t>
+                      </a:r>
+                      <a:endParaRPr lang="en-US" dirty="0"/>
+                    </a:p>
+                  </a:txBody>
+                  <a:tcPr/>
+                </a:tc>
+                <a:extLst>
+                  <a:ext uri="{0D108BD9-81ED-4DB2-BD59-A6C34878D82A}">
+                    <a16:rowId xmlns:a16="http://schemas.microsoft.com/office/drawing/2014/main" val="1858576340"/>
+                  </a:ext>
+                </a:extLst>
+              </a:tr>
+              <a:tr h="277738">
+                <a:tc>
+                  <a:txBody>
+                    <a:bodyPr/>
+                    <a:lstStyle/>
+                    <a:p>
+                      <a:r>
+                        <a:rPr lang="en-US" dirty="0"/>
+                        <a:t>K</a:t>
+                      </a:r>
+                      <a:r>
+                        <a:rPr lang="en-US" baseline="-25000" dirty="0"/>
+                        <a:t>2</a:t>
+                      </a:r>
+                      <a:endParaRPr lang="en-US" dirty="0"/>
+                    </a:p>
+                  </a:txBody>
+                  <a:tcPr/>
+                </a:tc>
+                <a:tc>
+                  <a:txBody>
+                    <a:bodyPr/>
+                    <a:lstStyle/>
+                    <a:p>
+                      <a:r>
+                        <a:rPr lang="en-US" dirty="0"/>
+                        <a:t>1.92 m</a:t>
+                      </a:r>
+                      <a:r>
+                        <a:rPr lang="en-US" baseline="30000" dirty="0"/>
+                        <a:t>-2</a:t>
+                      </a:r>
+                      <a:endParaRPr lang="en-US" dirty="0"/>
+                    </a:p>
+                  </a:txBody>
+                  <a:tcPr/>
+                </a:tc>
+                <a:extLst>
+                  <a:ext uri="{0D108BD9-81ED-4DB2-BD59-A6C34878D82A}">
+                    <a16:rowId xmlns:a16="http://schemas.microsoft.com/office/drawing/2014/main" val="171806016"/>
+                  </a:ext>
+                </a:extLst>
+              </a:tr>
+              <a:tr h="277738">
+                <a:tc>
+                  <a:txBody>
+                    <a:bodyPr/>
+                    <a:lstStyle/>
+                    <a:p>
+                      <a:r>
+                        <a:rPr lang="en-US" dirty="0"/>
+                        <a:t>𝛉</a:t>
+                      </a:r>
+                    </a:p>
+                  </a:txBody>
+                  <a:tcPr/>
+                </a:tc>
+                <a:tc>
+                  <a:txBody>
+                    <a:bodyPr/>
+                    <a:lstStyle/>
+                    <a:p>
+                      <a:r>
+                        <a:rPr lang="en-US" dirty="0"/>
+                        <a:t>12.5</a:t>
+                      </a:r>
+                      <a:r>
+                        <a:rPr lang="en-US" baseline="30000" dirty="0"/>
+                        <a:t>O</a:t>
+                      </a:r>
+                      <a:endParaRPr lang="en-US" dirty="0"/>
+                    </a:p>
+                  </a:txBody>
+                  <a:tcPr/>
+                </a:tc>
+                <a:extLst>
+                  <a:ext uri="{0D108BD9-81ED-4DB2-BD59-A6C34878D82A}">
+                    <a16:rowId xmlns:a16="http://schemas.microsoft.com/office/drawing/2014/main" val="3580491740"/>
+                  </a:ext>
+                </a:extLst>
+              </a:tr>
+            </a:tbl>
+          </a:graphicData>
+        </a:graphic>
+      </p:graphicFrame>
+      <p:sp>
+        <p:nvSpPr>
+          <p:cNvPr id="118" name="Freeform 117">
+            <a:extLst>
+              <a:ext uri="{FF2B5EF4-FFF2-40B4-BE49-F238E27FC236}">
+                <a16:creationId xmlns:a16="http://schemas.microsoft.com/office/drawing/2014/main" id="{FF363461-54FA-0E18-8D99-0E82F4A08340}"/>
+              </a:ext>
+            </a:extLst>
+          </p:cNvPr>
+          <p:cNvSpPr/>
+          <p:nvPr/>
+        </p:nvSpPr>
+        <p:spPr>
+          <a:xfrm>
+            <a:off x="3317357" y="2179674"/>
+            <a:ext cx="88493" cy="310029"/>
+          </a:xfrm>
+          <a:custGeom>
+            <a:avLst/>
+            <a:gdLst>
+              <a:gd name="connsiteX0" fmla="*/ 0 w 127591"/>
+              <a:gd name="connsiteY0" fmla="*/ 0 h 287079"/>
+              <a:gd name="connsiteX1" fmla="*/ 127591 w 127591"/>
+              <a:gd name="connsiteY1" fmla="*/ 287079 h 287079"/>
+              <a:gd name="connsiteX0" fmla="*/ 0 w 127591"/>
+              <a:gd name="connsiteY0" fmla="*/ 0 h 287079"/>
+              <a:gd name="connsiteX1" fmla="*/ 127591 w 127591"/>
+              <a:gd name="connsiteY1" fmla="*/ 287079 h 287079"/>
+              <a:gd name="connsiteX0" fmla="*/ 0 w 91668"/>
+              <a:gd name="connsiteY0" fmla="*/ 0 h 293610"/>
+              <a:gd name="connsiteX1" fmla="*/ 91668 w 91668"/>
+              <a:gd name="connsiteY1" fmla="*/ 293610 h 293610"/>
+              <a:gd name="connsiteX0" fmla="*/ 0 w 91668"/>
+              <a:gd name="connsiteY0" fmla="*/ 0 h 293610"/>
+              <a:gd name="connsiteX1" fmla="*/ 91668 w 91668"/>
+              <a:gd name="connsiteY1" fmla="*/ 293610 h 293610"/>
+              <a:gd name="connsiteX0" fmla="*/ 0 w 91668"/>
+              <a:gd name="connsiteY0" fmla="*/ 0 h 313204"/>
+              <a:gd name="connsiteX1" fmla="*/ 91668 w 91668"/>
+              <a:gd name="connsiteY1" fmla="*/ 313204 h 313204"/>
+              <a:gd name="connsiteX0" fmla="*/ 0 w 88493"/>
+              <a:gd name="connsiteY0" fmla="*/ 0 h 310029"/>
+              <a:gd name="connsiteX1" fmla="*/ 88493 w 88493"/>
+              <a:gd name="connsiteY1" fmla="*/ 310029 h 310029"/>
+              <a:gd name="connsiteX0" fmla="*/ 0 w 88493"/>
+              <a:gd name="connsiteY0" fmla="*/ 0 h 310029"/>
+              <a:gd name="connsiteX1" fmla="*/ 88493 w 88493"/>
+              <a:gd name="connsiteY1" fmla="*/ 310029 h 310029"/>
+            </a:gdLst>
+            <a:ahLst/>
+            <a:cxnLst>
+              <a:cxn ang="0">
+                <a:pos x="connsiteX0" y="connsiteY0"/>
+              </a:cxn>
+              <a:cxn ang="0">
+                <a:pos x="connsiteX1" y="connsiteY1"/>
+              </a:cxn>
+            </a:cxnLst>
+            <a:rect l="l" t="t" r="r" b="b"/>
+            <a:pathLst>
+              <a:path w="88493" h="310029">
+                <a:moveTo>
+                  <a:pt x="0" y="0"/>
+                </a:moveTo>
+                <a:cubicBezTo>
+                  <a:pt x="64027" y="95022"/>
+                  <a:pt x="85328" y="182515"/>
+                  <a:pt x="88493" y="310029"/>
+                </a:cubicBezTo>
+              </a:path>
+            </a:pathLst>
+          </a:custGeom>
+          <a:noFill/>
+        </p:spPr>
+        <p:style>
+          <a:lnRef idx="2">
+            <a:schemeClr val="accent1">
+              <a:shade val="50000"/>
+            </a:schemeClr>
+          </a:lnRef>
+          <a:fillRef idx="1">
+            <a:schemeClr val="accent1"/>
+          </a:fillRef>
+          <a:effectRef idx="0">
+            <a:schemeClr val="accent1"/>
+          </a:effectRef>
+          <a:fontRef idx="minor">
+            <a:schemeClr val="lt1"/>
+          </a:fontRef>
+        </p:style>
+        <p:txBody>
+          <a:bodyPr rtlCol="0" anchor="ctr"/>
+          <a:lstStyle/>
+          <a:p>
+            <a:pPr algn="ctr"/>
+            <a:endParaRPr lang="en-US"/>
+          </a:p>
+        </p:txBody>
+      </p:sp>
+      <p:sp>
+        <p:nvSpPr>
+          <p:cNvPr id="119" name="TextBox 118">
+            <a:extLst>
+              <a:ext uri="{FF2B5EF4-FFF2-40B4-BE49-F238E27FC236}">
+                <a16:creationId xmlns:a16="http://schemas.microsoft.com/office/drawing/2014/main" id="{5E22BAC4-817F-CAB6-8F18-B5EBE2A9E1D9}"/>
+              </a:ext>
+            </a:extLst>
+          </p:cNvPr>
+          <p:cNvSpPr txBox="1"/>
+          <p:nvPr/>
+        </p:nvSpPr>
+        <p:spPr>
+          <a:xfrm>
+            <a:off x="3171435" y="2244047"/>
+            <a:ext cx="397565" cy="276999"/>
+          </a:xfrm>
+          <a:prstGeom prst="rect">
+            <a:avLst/>
+          </a:prstGeom>
+          <a:noFill/>
+        </p:spPr>
+        <p:txBody>
+          <a:bodyPr wrap="square" rtlCol="0">
+            <a:spAutoFit/>
+          </a:bodyPr>
+          <a:lstStyle/>
+          <a:p>
+            <a:r>
+              <a:rPr lang="en-US" sz="1200" dirty="0"/>
+              <a:t>𝛉</a:t>
+            </a:r>
+          </a:p>
+        </p:txBody>
+      </p:sp>
+      <p:sp>
+        <p:nvSpPr>
+          <p:cNvPr id="120" name="Freeform 119">
+            <a:extLst>
+              <a:ext uri="{FF2B5EF4-FFF2-40B4-BE49-F238E27FC236}">
+                <a16:creationId xmlns:a16="http://schemas.microsoft.com/office/drawing/2014/main" id="{85C205DE-A8FF-DB91-8DC5-8B04E40F9FE1}"/>
+              </a:ext>
+            </a:extLst>
+          </p:cNvPr>
+          <p:cNvSpPr/>
+          <p:nvPr/>
+        </p:nvSpPr>
+        <p:spPr>
+          <a:xfrm rot="19550917" flipH="1">
+            <a:off x="4060343" y="1369369"/>
+            <a:ext cx="103306" cy="310029"/>
+          </a:xfrm>
+          <a:custGeom>
+            <a:avLst/>
+            <a:gdLst>
+              <a:gd name="connsiteX0" fmla="*/ 0 w 127591"/>
+              <a:gd name="connsiteY0" fmla="*/ 0 h 287079"/>
+              <a:gd name="connsiteX1" fmla="*/ 127591 w 127591"/>
+              <a:gd name="connsiteY1" fmla="*/ 287079 h 287079"/>
+              <a:gd name="connsiteX0" fmla="*/ 0 w 127591"/>
+              <a:gd name="connsiteY0" fmla="*/ 0 h 287079"/>
+              <a:gd name="connsiteX1" fmla="*/ 127591 w 127591"/>
+              <a:gd name="connsiteY1" fmla="*/ 287079 h 287079"/>
+              <a:gd name="connsiteX0" fmla="*/ 0 w 91668"/>
+              <a:gd name="connsiteY0" fmla="*/ 0 h 293610"/>
+              <a:gd name="connsiteX1" fmla="*/ 91668 w 91668"/>
+              <a:gd name="connsiteY1" fmla="*/ 293610 h 293610"/>
+              <a:gd name="connsiteX0" fmla="*/ 0 w 91668"/>
+              <a:gd name="connsiteY0" fmla="*/ 0 h 293610"/>
+              <a:gd name="connsiteX1" fmla="*/ 91668 w 91668"/>
+              <a:gd name="connsiteY1" fmla="*/ 293610 h 293610"/>
+              <a:gd name="connsiteX0" fmla="*/ 0 w 91668"/>
+              <a:gd name="connsiteY0" fmla="*/ 0 h 313204"/>
+              <a:gd name="connsiteX1" fmla="*/ 91668 w 91668"/>
+              <a:gd name="connsiteY1" fmla="*/ 313204 h 313204"/>
+              <a:gd name="connsiteX0" fmla="*/ 0 w 88493"/>
+              <a:gd name="connsiteY0" fmla="*/ 0 h 310029"/>
+              <a:gd name="connsiteX1" fmla="*/ 88493 w 88493"/>
+              <a:gd name="connsiteY1" fmla="*/ 310029 h 310029"/>
+              <a:gd name="connsiteX0" fmla="*/ 0 w 88493"/>
+              <a:gd name="connsiteY0" fmla="*/ 0 h 310029"/>
+              <a:gd name="connsiteX1" fmla="*/ 88493 w 88493"/>
+              <a:gd name="connsiteY1" fmla="*/ 310029 h 310029"/>
+            </a:gdLst>
+            <a:ahLst/>
+            <a:cxnLst>
+              <a:cxn ang="0">
+                <a:pos x="connsiteX0" y="connsiteY0"/>
+              </a:cxn>
+              <a:cxn ang="0">
+                <a:pos x="connsiteX1" y="connsiteY1"/>
+              </a:cxn>
+            </a:cxnLst>
+            <a:rect l="l" t="t" r="r" b="b"/>
+            <a:pathLst>
+              <a:path w="88493" h="310029">
+                <a:moveTo>
+                  <a:pt x="0" y="0"/>
+                </a:moveTo>
+                <a:cubicBezTo>
+                  <a:pt x="64027" y="95022"/>
+                  <a:pt x="85328" y="182515"/>
+                  <a:pt x="88493" y="310029"/>
+                </a:cubicBezTo>
+              </a:path>
+            </a:pathLst>
+          </a:custGeom>
+          <a:noFill/>
+        </p:spPr>
+        <p:style>
+          <a:lnRef idx="2">
+            <a:schemeClr val="accent1">
+              <a:shade val="50000"/>
+            </a:schemeClr>
+          </a:lnRef>
+          <a:fillRef idx="1">
+            <a:schemeClr val="accent1"/>
+          </a:fillRef>
+          <a:effectRef idx="0">
+            <a:schemeClr val="accent1"/>
+          </a:effectRef>
+          <a:fontRef idx="minor">
+            <a:schemeClr val="lt1"/>
+          </a:fontRef>
+        </p:style>
+        <p:txBody>
+          <a:bodyPr rtlCol="0" anchor="ctr"/>
+          <a:lstStyle/>
+          <a:p>
+            <a:pPr algn="ctr"/>
+            <a:endParaRPr lang="en-US"/>
+          </a:p>
+        </p:txBody>
+      </p:sp>
+      <p:sp>
+        <p:nvSpPr>
+          <p:cNvPr id="122" name="Freeform 121">
+            <a:extLst>
+              <a:ext uri="{FF2B5EF4-FFF2-40B4-BE49-F238E27FC236}">
+                <a16:creationId xmlns:a16="http://schemas.microsoft.com/office/drawing/2014/main" id="{2772B73C-DF4E-D12F-48BB-10A30BD54B89}"/>
+              </a:ext>
+            </a:extLst>
+          </p:cNvPr>
+          <p:cNvSpPr/>
+          <p:nvPr/>
+        </p:nvSpPr>
+        <p:spPr>
+          <a:xfrm rot="10800000" flipH="1">
+            <a:off x="8413640" y="1366528"/>
+            <a:ext cx="103306" cy="310029"/>
+          </a:xfrm>
+          <a:custGeom>
+            <a:avLst/>
+            <a:gdLst>
+              <a:gd name="connsiteX0" fmla="*/ 0 w 127591"/>
+              <a:gd name="connsiteY0" fmla="*/ 0 h 287079"/>
+              <a:gd name="connsiteX1" fmla="*/ 127591 w 127591"/>
+              <a:gd name="connsiteY1" fmla="*/ 287079 h 287079"/>
+              <a:gd name="connsiteX0" fmla="*/ 0 w 127591"/>
+              <a:gd name="connsiteY0" fmla="*/ 0 h 287079"/>
+              <a:gd name="connsiteX1" fmla="*/ 127591 w 127591"/>
+              <a:gd name="connsiteY1" fmla="*/ 287079 h 287079"/>
+              <a:gd name="connsiteX0" fmla="*/ 0 w 91668"/>
+              <a:gd name="connsiteY0" fmla="*/ 0 h 293610"/>
+              <a:gd name="connsiteX1" fmla="*/ 91668 w 91668"/>
+              <a:gd name="connsiteY1" fmla="*/ 293610 h 293610"/>
+              <a:gd name="connsiteX0" fmla="*/ 0 w 91668"/>
+              <a:gd name="connsiteY0" fmla="*/ 0 h 293610"/>
+              <a:gd name="connsiteX1" fmla="*/ 91668 w 91668"/>
+              <a:gd name="connsiteY1" fmla="*/ 293610 h 293610"/>
+              <a:gd name="connsiteX0" fmla="*/ 0 w 91668"/>
+              <a:gd name="connsiteY0" fmla="*/ 0 h 313204"/>
+              <a:gd name="connsiteX1" fmla="*/ 91668 w 91668"/>
+              <a:gd name="connsiteY1" fmla="*/ 313204 h 313204"/>
+              <a:gd name="connsiteX0" fmla="*/ 0 w 88493"/>
+              <a:gd name="connsiteY0" fmla="*/ 0 h 310029"/>
+              <a:gd name="connsiteX1" fmla="*/ 88493 w 88493"/>
+              <a:gd name="connsiteY1" fmla="*/ 310029 h 310029"/>
+              <a:gd name="connsiteX0" fmla="*/ 0 w 88493"/>
+              <a:gd name="connsiteY0" fmla="*/ 0 h 310029"/>
+              <a:gd name="connsiteX1" fmla="*/ 88493 w 88493"/>
+              <a:gd name="connsiteY1" fmla="*/ 310029 h 310029"/>
+            </a:gdLst>
+            <a:ahLst/>
+            <a:cxnLst>
+              <a:cxn ang="0">
+                <a:pos x="connsiteX0" y="connsiteY0"/>
+              </a:cxn>
+              <a:cxn ang="0">
+                <a:pos x="connsiteX1" y="connsiteY1"/>
+              </a:cxn>
+            </a:cxnLst>
+            <a:rect l="l" t="t" r="r" b="b"/>
+            <a:pathLst>
+              <a:path w="88493" h="310029">
+                <a:moveTo>
+                  <a:pt x="0" y="0"/>
+                </a:moveTo>
+                <a:cubicBezTo>
+                  <a:pt x="64027" y="95022"/>
+                  <a:pt x="85328" y="182515"/>
+                  <a:pt x="88493" y="310029"/>
+                </a:cubicBezTo>
+              </a:path>
+            </a:pathLst>
+          </a:custGeom>
+          <a:noFill/>
+        </p:spPr>
+        <p:style>
+          <a:lnRef idx="2">
+            <a:schemeClr val="accent1">
+              <a:shade val="50000"/>
+            </a:schemeClr>
+          </a:lnRef>
+          <a:fillRef idx="1">
+            <a:schemeClr val="accent1"/>
+          </a:fillRef>
+          <a:effectRef idx="0">
+            <a:schemeClr val="accent1"/>
+          </a:effectRef>
+          <a:fontRef idx="minor">
+            <a:schemeClr val="lt1"/>
+          </a:fontRef>
+        </p:style>
+        <p:txBody>
+          <a:bodyPr rtlCol="0" anchor="ctr"/>
+          <a:lstStyle/>
+          <a:p>
+            <a:pPr algn="ctr"/>
+            <a:endParaRPr lang="en-US"/>
+          </a:p>
+        </p:txBody>
+      </p:sp>
+      <p:sp>
+        <p:nvSpPr>
+          <p:cNvPr id="125" name="Freeform 124">
+            <a:extLst>
+              <a:ext uri="{FF2B5EF4-FFF2-40B4-BE49-F238E27FC236}">
+                <a16:creationId xmlns:a16="http://schemas.microsoft.com/office/drawing/2014/main" id="{A4D2FCB8-DA10-5ABA-B6F1-C5232A4366D1}"/>
+              </a:ext>
+            </a:extLst>
+          </p:cNvPr>
+          <p:cNvSpPr/>
+          <p:nvPr/>
+        </p:nvSpPr>
+        <p:spPr>
+          <a:xfrm flipH="1">
+            <a:off x="9130285" y="2163831"/>
+            <a:ext cx="103306" cy="310029"/>
+          </a:xfrm>
+          <a:custGeom>
+            <a:avLst/>
+            <a:gdLst>
+              <a:gd name="connsiteX0" fmla="*/ 0 w 127591"/>
+              <a:gd name="connsiteY0" fmla="*/ 0 h 287079"/>
+              <a:gd name="connsiteX1" fmla="*/ 127591 w 127591"/>
+              <a:gd name="connsiteY1" fmla="*/ 287079 h 287079"/>
+              <a:gd name="connsiteX0" fmla="*/ 0 w 127591"/>
+              <a:gd name="connsiteY0" fmla="*/ 0 h 287079"/>
+              <a:gd name="connsiteX1" fmla="*/ 127591 w 127591"/>
+              <a:gd name="connsiteY1" fmla="*/ 287079 h 287079"/>
+              <a:gd name="connsiteX0" fmla="*/ 0 w 91668"/>
+              <a:gd name="connsiteY0" fmla="*/ 0 h 293610"/>
+              <a:gd name="connsiteX1" fmla="*/ 91668 w 91668"/>
+              <a:gd name="connsiteY1" fmla="*/ 293610 h 293610"/>
+              <a:gd name="connsiteX0" fmla="*/ 0 w 91668"/>
+              <a:gd name="connsiteY0" fmla="*/ 0 h 293610"/>
+              <a:gd name="connsiteX1" fmla="*/ 91668 w 91668"/>
+              <a:gd name="connsiteY1" fmla="*/ 293610 h 293610"/>
+              <a:gd name="connsiteX0" fmla="*/ 0 w 91668"/>
+              <a:gd name="connsiteY0" fmla="*/ 0 h 313204"/>
+              <a:gd name="connsiteX1" fmla="*/ 91668 w 91668"/>
+              <a:gd name="connsiteY1" fmla="*/ 313204 h 313204"/>
+              <a:gd name="connsiteX0" fmla="*/ 0 w 88493"/>
+              <a:gd name="connsiteY0" fmla="*/ 0 h 310029"/>
+              <a:gd name="connsiteX1" fmla="*/ 88493 w 88493"/>
+              <a:gd name="connsiteY1" fmla="*/ 310029 h 310029"/>
+              <a:gd name="connsiteX0" fmla="*/ 0 w 88493"/>
+              <a:gd name="connsiteY0" fmla="*/ 0 h 310029"/>
+              <a:gd name="connsiteX1" fmla="*/ 88493 w 88493"/>
+              <a:gd name="connsiteY1" fmla="*/ 310029 h 310029"/>
+            </a:gdLst>
+            <a:ahLst/>
+            <a:cxnLst>
+              <a:cxn ang="0">
+                <a:pos x="connsiteX0" y="connsiteY0"/>
+              </a:cxn>
+              <a:cxn ang="0">
+                <a:pos x="connsiteX1" y="connsiteY1"/>
+              </a:cxn>
+            </a:cxnLst>
+            <a:rect l="l" t="t" r="r" b="b"/>
+            <a:pathLst>
+              <a:path w="88493" h="310029">
+                <a:moveTo>
+                  <a:pt x="0" y="0"/>
+                </a:moveTo>
+                <a:cubicBezTo>
+                  <a:pt x="64027" y="95022"/>
+                  <a:pt x="85328" y="182515"/>
+                  <a:pt x="88493" y="310029"/>
+                </a:cubicBezTo>
+              </a:path>
+            </a:pathLst>
+          </a:custGeom>
+          <a:noFill/>
+        </p:spPr>
+        <p:style>
+          <a:lnRef idx="2">
+            <a:schemeClr val="accent1">
+              <a:shade val="50000"/>
+            </a:schemeClr>
+          </a:lnRef>
+          <a:fillRef idx="1">
+            <a:schemeClr val="accent1"/>
+          </a:fillRef>
+          <a:effectRef idx="0">
+            <a:schemeClr val="accent1"/>
+          </a:effectRef>
+          <a:fontRef idx="minor">
+            <a:schemeClr val="lt1"/>
+          </a:fontRef>
+        </p:style>
+        <p:txBody>
+          <a:bodyPr rtlCol="0" anchor="ctr"/>
+          <a:lstStyle/>
+          <a:p>
+            <a:pPr algn="ctr"/>
+            <a:endParaRPr lang="en-US"/>
+          </a:p>
+        </p:txBody>
+      </p:sp>
+      <p:sp>
+        <p:nvSpPr>
+          <p:cNvPr id="126" name="TextBox 125">
+            <a:extLst>
+              <a:ext uri="{FF2B5EF4-FFF2-40B4-BE49-F238E27FC236}">
+                <a16:creationId xmlns:a16="http://schemas.microsoft.com/office/drawing/2014/main" id="{2C3FE94F-D5C5-2DE4-20B3-A611C5174EAA}"/>
+              </a:ext>
+            </a:extLst>
+          </p:cNvPr>
+          <p:cNvSpPr txBox="1"/>
+          <p:nvPr/>
+        </p:nvSpPr>
+        <p:spPr>
+          <a:xfrm>
+            <a:off x="4033547" y="1365064"/>
+            <a:ext cx="397565" cy="276999"/>
+          </a:xfrm>
+          <a:prstGeom prst="rect">
+            <a:avLst/>
+          </a:prstGeom>
+          <a:noFill/>
+        </p:spPr>
+        <p:txBody>
+          <a:bodyPr wrap="square" rtlCol="0">
+            <a:spAutoFit/>
+          </a:bodyPr>
+          <a:lstStyle/>
+          <a:p>
+            <a:r>
+              <a:rPr lang="en-US" sz="1200" dirty="0"/>
+              <a:t>𝛉</a:t>
+            </a:r>
+          </a:p>
+        </p:txBody>
+      </p:sp>
+      <p:sp>
+        <p:nvSpPr>
+          <p:cNvPr id="127" name="TextBox 126">
+            <a:extLst>
+              <a:ext uri="{FF2B5EF4-FFF2-40B4-BE49-F238E27FC236}">
+                <a16:creationId xmlns:a16="http://schemas.microsoft.com/office/drawing/2014/main" id="{54234A95-2C25-83E9-5C33-E909776279BD}"/>
+              </a:ext>
+            </a:extLst>
+          </p:cNvPr>
+          <p:cNvSpPr txBox="1"/>
+          <p:nvPr/>
+        </p:nvSpPr>
+        <p:spPr>
+          <a:xfrm>
+            <a:off x="8285261" y="1330640"/>
+            <a:ext cx="397565" cy="276999"/>
+          </a:xfrm>
+          <a:prstGeom prst="rect">
+            <a:avLst/>
+          </a:prstGeom>
+          <a:noFill/>
+        </p:spPr>
+        <p:txBody>
+          <a:bodyPr wrap="square" rtlCol="0">
+            <a:spAutoFit/>
+          </a:bodyPr>
+          <a:lstStyle/>
+          <a:p>
+            <a:r>
+              <a:rPr lang="en-US" sz="1200" dirty="0"/>
+              <a:t>𝛉</a:t>
+            </a:r>
+          </a:p>
+        </p:txBody>
+      </p:sp>
+      <p:sp>
+        <p:nvSpPr>
+          <p:cNvPr id="128" name="TextBox 127">
+            <a:extLst>
+              <a:ext uri="{FF2B5EF4-FFF2-40B4-BE49-F238E27FC236}">
+                <a16:creationId xmlns:a16="http://schemas.microsoft.com/office/drawing/2014/main" id="{565B766E-2DD9-AE19-16F1-27872D3129ED}"/>
+              </a:ext>
+            </a:extLst>
+          </p:cNvPr>
+          <p:cNvSpPr txBox="1"/>
+          <p:nvPr/>
+        </p:nvSpPr>
+        <p:spPr>
+          <a:xfrm>
+            <a:off x="9109451" y="2230534"/>
+            <a:ext cx="397565" cy="276999"/>
+          </a:xfrm>
+          <a:prstGeom prst="rect">
+            <a:avLst/>
+          </a:prstGeom>
+          <a:noFill/>
+        </p:spPr>
+        <p:txBody>
+          <a:bodyPr wrap="square" rtlCol="0">
+            <a:spAutoFit/>
+          </a:bodyPr>
+          <a:lstStyle/>
+          <a:p>
+            <a:r>
+              <a:rPr lang="en-US" sz="1200" dirty="0"/>
+              <a:t>𝛉</a:t>
+            </a:r>
+          </a:p>
+        </p:txBody>
+      </p:sp>
     </p:spTree>
     <p:extLst>
       <p:ext uri="{BB962C8B-B14F-4D97-AF65-F5344CB8AC3E}">
